--- a/ArgoCD.pptx
+++ b/ArgoCD.pptx
@@ -304,7 +304,7 @@
           <a:p>
             <a:fld id="{D764DB7E-DD0C-4706-87EA-FF6D0B368E6D}" type="datetimeFigureOut">
               <a:rPr lang="en-IN" smtClean="0"/>
-              <a:t>15-06-2024</a:t>
+              <a:t>18-06-2024</a:t>
             </a:fld>
             <a:endParaRPr lang="en-IN"/>
           </a:p>
@@ -504,7 +504,7 @@
           <a:p>
             <a:fld id="{D764DB7E-DD0C-4706-87EA-FF6D0B368E6D}" type="datetimeFigureOut">
               <a:rPr lang="en-IN" smtClean="0"/>
-              <a:t>15-06-2024</a:t>
+              <a:t>18-06-2024</a:t>
             </a:fld>
             <a:endParaRPr lang="en-IN"/>
           </a:p>
@@ -714,7 +714,7 @@
           <a:p>
             <a:fld id="{D764DB7E-DD0C-4706-87EA-FF6D0B368E6D}" type="datetimeFigureOut">
               <a:rPr lang="en-IN" smtClean="0"/>
-              <a:t>15-06-2024</a:t>
+              <a:t>18-06-2024</a:t>
             </a:fld>
             <a:endParaRPr lang="en-IN"/>
           </a:p>
@@ -914,7 +914,7 @@
           <a:p>
             <a:fld id="{D764DB7E-DD0C-4706-87EA-FF6D0B368E6D}" type="datetimeFigureOut">
               <a:rPr lang="en-IN" smtClean="0"/>
-              <a:t>15-06-2024</a:t>
+              <a:t>18-06-2024</a:t>
             </a:fld>
             <a:endParaRPr lang="en-IN"/>
           </a:p>
@@ -1190,7 +1190,7 @@
           <a:p>
             <a:fld id="{D764DB7E-DD0C-4706-87EA-FF6D0B368E6D}" type="datetimeFigureOut">
               <a:rPr lang="en-IN" smtClean="0"/>
-              <a:t>15-06-2024</a:t>
+              <a:t>18-06-2024</a:t>
             </a:fld>
             <a:endParaRPr lang="en-IN"/>
           </a:p>
@@ -1458,7 +1458,7 @@
           <a:p>
             <a:fld id="{D764DB7E-DD0C-4706-87EA-FF6D0B368E6D}" type="datetimeFigureOut">
               <a:rPr lang="en-IN" smtClean="0"/>
-              <a:t>15-06-2024</a:t>
+              <a:t>18-06-2024</a:t>
             </a:fld>
             <a:endParaRPr lang="en-IN"/>
           </a:p>
@@ -1873,7 +1873,7 @@
           <a:p>
             <a:fld id="{D764DB7E-DD0C-4706-87EA-FF6D0B368E6D}" type="datetimeFigureOut">
               <a:rPr lang="en-IN" smtClean="0"/>
-              <a:t>15-06-2024</a:t>
+              <a:t>18-06-2024</a:t>
             </a:fld>
             <a:endParaRPr lang="en-IN"/>
           </a:p>
@@ -2015,7 +2015,7 @@
           <a:p>
             <a:fld id="{D764DB7E-DD0C-4706-87EA-FF6D0B368E6D}" type="datetimeFigureOut">
               <a:rPr lang="en-IN" smtClean="0"/>
-              <a:t>15-06-2024</a:t>
+              <a:t>18-06-2024</a:t>
             </a:fld>
             <a:endParaRPr lang="en-IN"/>
           </a:p>
@@ -2128,7 +2128,7 @@
           <a:p>
             <a:fld id="{D764DB7E-DD0C-4706-87EA-FF6D0B368E6D}" type="datetimeFigureOut">
               <a:rPr lang="en-IN" smtClean="0"/>
-              <a:t>15-06-2024</a:t>
+              <a:t>18-06-2024</a:t>
             </a:fld>
             <a:endParaRPr lang="en-IN"/>
           </a:p>
@@ -2441,7 +2441,7 @@
           <a:p>
             <a:fld id="{D764DB7E-DD0C-4706-87EA-FF6D0B368E6D}" type="datetimeFigureOut">
               <a:rPr lang="en-IN" smtClean="0"/>
-              <a:t>15-06-2024</a:t>
+              <a:t>18-06-2024</a:t>
             </a:fld>
             <a:endParaRPr lang="en-IN"/>
           </a:p>
@@ -2730,7 +2730,7 @@
           <a:p>
             <a:fld id="{D764DB7E-DD0C-4706-87EA-FF6D0B368E6D}" type="datetimeFigureOut">
               <a:rPr lang="en-IN" smtClean="0"/>
-              <a:t>15-06-2024</a:t>
+              <a:t>18-06-2024</a:t>
             </a:fld>
             <a:endParaRPr lang="en-IN"/>
           </a:p>
@@ -2973,7 +2973,7 @@
           <a:p>
             <a:fld id="{D764DB7E-DD0C-4706-87EA-FF6D0B368E6D}" type="datetimeFigureOut">
               <a:rPr lang="en-IN" smtClean="0"/>
-              <a:t>15-06-2024</a:t>
+              <a:t>18-06-2024</a:t>
             </a:fld>
             <a:endParaRPr lang="en-IN"/>
           </a:p>
@@ -4906,29 +4906,31 @@
         </p:nvSpPr>
         <p:spPr/>
         <p:txBody>
-          <a:bodyPr/>
-          <a:lstStyle/>
-          <a:p>
-            <a:r>
-              <a:rPr lang="en-US" dirty="0" err="1">
+          <a:bodyPr>
+            <a:normAutofit/>
+          </a:bodyPr>
+          <a:lstStyle/>
+          <a:p>
+            <a:r>
+              <a:rPr lang="en-US" sz="3200" dirty="0" err="1">
                 <a:latin typeface="+mj-lt"/>
               </a:rPr>
               <a:t>ArgoCD</a:t>
             </a:r>
             <a:r>
-              <a:rPr lang="en-US" dirty="0">
-                <a:latin typeface="+mj-lt"/>
-              </a:rPr>
-              <a:t> is a Kubernetes-native continuous deployment tool. It automates the deployment of applications to Kubernetes clusters. </a:t>
-            </a:r>
-            <a:r>
-              <a:rPr lang="en-US" dirty="0" err="1">
+              <a:rPr lang="en-US" sz="3200" dirty="0">
+                <a:latin typeface="+mj-lt"/>
+              </a:rPr>
+              <a:t> is a Kubernetes-native continuous delivery tool. It automates the deployment of applications to Kubernetes clusters. </a:t>
+            </a:r>
+            <a:r>
+              <a:rPr lang="en-US" sz="3200" dirty="0" err="1">
                 <a:latin typeface="+mj-lt"/>
               </a:rPr>
               <a:t>ArgoCD</a:t>
             </a:r>
             <a:r>
-              <a:rPr lang="en-US" dirty="0">
+              <a:rPr lang="en-US" sz="3200" dirty="0">
                 <a:latin typeface="+mj-lt"/>
               </a:rPr>
               <a:t> tracks application definitions and configurations in Git repositories. </a:t>
@@ -4936,7 +4938,7 @@
           </a:p>
           <a:p>
             <a:r>
-              <a:rPr lang="en-US" dirty="0">
+              <a:rPr lang="en-US" sz="3200" dirty="0">
                 <a:latin typeface="+mj-lt"/>
               </a:rPr>
               <a:t>It ensures the desired state in Git matches the actual state in the cluster. This approach improves consistency, reliability, and transparency in application deployments.</a:t>
@@ -4944,12 +4946,12 @@
           </a:p>
           <a:p>
             <a:r>
-              <a:rPr lang="en-US" dirty="0">
+              <a:rPr lang="en-US" sz="3200" dirty="0">
                 <a:latin typeface="+mj-lt"/>
               </a:rPr>
               <a:t>Questions : Why we need separate CD tools, What are the challenges?</a:t>
             </a:r>
-            <a:endParaRPr lang="en-IN" dirty="0">
+            <a:endParaRPr lang="en-IN" sz="3200" dirty="0">
               <a:latin typeface="+mj-lt"/>
             </a:endParaRPr>
           </a:p>

--- a/ArgoCD.pptx
+++ b/ArgoCD.pptx
@@ -3739,10 +3739,16 @@
           <a:lstStyle/>
           <a:p>
             <a:r>
+              <a:rPr lang="en-US" sz="3200" b="1" dirty="0">
+                <a:latin typeface="+mj-lt"/>
+              </a:rPr>
+              <a:t>Operational Efficiency</a:t>
+            </a:r>
+            <a:r>
               <a:rPr lang="en-US" sz="3200" dirty="0">
                 <a:latin typeface="+mj-lt"/>
               </a:rPr>
-              <a:t>Operational Efficiency: </a:t>
+              <a:t>: </a:t>
             </a:r>
             <a:r>
               <a:rPr lang="en-US" sz="3200" dirty="0" err="1">
@@ -3759,18 +3765,30 @@
           </a:p>
           <a:p>
             <a:r>
+              <a:rPr lang="en-US" sz="3200" b="1" dirty="0">
+                <a:latin typeface="+mj-lt"/>
+              </a:rPr>
+              <a:t>Improved Deployment Velocity</a:t>
+            </a:r>
+            <a:r>
               <a:rPr lang="en-US" sz="3200" dirty="0">
                 <a:latin typeface="+mj-lt"/>
               </a:rPr>
-              <a:t>Improved Deployment Velocity: Automating deployment processes reduces the potential for human error and speeds up delivery.</a:t>
-            </a:r>
-          </a:p>
-          <a:p>
+              <a:t>: Automating deployment processes reduces the potential for human error and speeds up delivery.</a:t>
+            </a:r>
+          </a:p>
+          <a:p>
+            <a:r>
+              <a:rPr lang="en-US" sz="3200" b="1" dirty="0">
+                <a:latin typeface="+mj-lt"/>
+              </a:rPr>
+              <a:t>Better Reliability</a:t>
+            </a:r>
             <a:r>
               <a:rPr lang="en-US" sz="3200" dirty="0">
                 <a:latin typeface="+mj-lt"/>
               </a:rPr>
-              <a:t>Better Reliability: The ability to quickly rollback to previous states enhances system stability</a:t>
+              <a:t>: The ability to quickly rollback to previous states enhances system stability</a:t>
             </a:r>
             <a:endParaRPr lang="en-IN" sz="3200" dirty="0">
               <a:latin typeface="+mj-lt"/>
@@ -3962,10 +3980,16 @@
           <a:lstStyle/>
           <a:p>
             <a:r>
+              <a:rPr lang="en-US" b="1" dirty="0">
+                <a:latin typeface="+mj-lt"/>
+              </a:rPr>
+              <a:t>API Server: </a:t>
+            </a:r>
+            <a:r>
               <a:rPr lang="en-US" dirty="0">
                 <a:latin typeface="+mj-lt"/>
               </a:rPr>
-              <a:t>API Server: This component is used by the users to communicate to </a:t>
+              <a:t>This component is used by the users to communicate to </a:t>
             </a:r>
             <a:r>
               <a:rPr lang="en-US" dirty="0" err="1">
@@ -3982,18 +4006,30 @@
           </a:p>
           <a:p>
             <a:r>
+              <a:rPr lang="en-US" b="1" dirty="0">
+                <a:latin typeface="+mj-lt"/>
+              </a:rPr>
+              <a:t>Repository Server: </a:t>
+            </a:r>
+            <a:r>
               <a:rPr lang="en-US" dirty="0">
                 <a:latin typeface="+mj-lt"/>
               </a:rPr>
-              <a:t>Repository Server: This component connects to git and fetch the state of the git repository.</a:t>
-            </a:r>
-          </a:p>
-          <a:p>
+              <a:t>This component connects to git and fetch the state of the git repository.</a:t>
+            </a:r>
+          </a:p>
+          <a:p>
+            <a:r>
+              <a:rPr lang="en-US" b="1" dirty="0">
+                <a:latin typeface="+mj-lt"/>
+              </a:rPr>
+              <a:t>Application Controller: </a:t>
+            </a:r>
             <a:r>
               <a:rPr lang="en-US" dirty="0">
                 <a:latin typeface="+mj-lt"/>
               </a:rPr>
-              <a:t>Application Controller: This component connects to </a:t>
+              <a:t>This component connects to </a:t>
             </a:r>
             <a:r>
               <a:rPr lang="en-US" dirty="0" err="1">
@@ -4022,10 +4058,16 @@
           </a:p>
           <a:p>
             <a:r>
+              <a:rPr lang="en-US" b="1" dirty="0">
+                <a:latin typeface="+mj-lt"/>
+              </a:rPr>
+              <a:t>CLI: </a:t>
+            </a:r>
+            <a:r>
               <a:rPr lang="en-US" dirty="0">
                 <a:latin typeface="+mj-lt"/>
               </a:rPr>
-              <a:t>CLI: The CLI is a command-line tool that you can use to manage Argo CD. It allows you to create, update, and delete applications, </a:t>
+              <a:t>The CLI is a command-line tool that you can use to manage Argo CD. It allows you to create, update, and delete applications, </a:t>
             </a:r>
             <a:r>
               <a:rPr lang="en-US" dirty="0" err="1">
@@ -4627,12 +4669,10 @@
               <a:buChar char="•"/>
             </a:pPr>
             <a:r>
-              <a:rPr lang="en-US" dirty="0"/>
-              <a:t>The infrastructure (infra) layer consists of the external tools and services that Argo CD relies on</a:t>
-            </a:r>
-            <a:r>
-              <a:rPr lang="en-US"/>
-              <a:t>. </a:t>
+              <a:rPr lang="en-US" dirty="0">
+                <a:latin typeface="+mj-lt"/>
+              </a:rPr>
+              <a:t>The infrastructure (infra) layer consists of the external tools and services that Argo CD relies on. </a:t>
             </a:r>
           </a:p>
           <a:p>
@@ -4641,14 +4681,14 @@
               <a:buChar char="•"/>
             </a:pPr>
             <a:r>
-              <a:rPr lang="en-US" b="1"/>
-              <a:t>What </a:t>
-            </a:r>
-            <a:r>
-              <a:rPr lang="en-US" b="1" dirty="0"/>
-              <a:t>it does:</a:t>
-            </a:r>
-            <a:endParaRPr lang="en-US" dirty="0"/>
+              <a:rPr lang="en-US" b="1" dirty="0">
+                <a:latin typeface="+mj-lt"/>
+              </a:rPr>
+              <a:t>What it does:</a:t>
+            </a:r>
+            <a:endParaRPr lang="en-US" dirty="0">
+              <a:latin typeface="+mj-lt"/>
+            </a:endParaRPr>
           </a:p>
           <a:p>
             <a:pPr>
@@ -4656,7 +4696,9 @@
               <a:buChar char="•"/>
             </a:pPr>
             <a:r>
-              <a:rPr lang="en-US" dirty="0"/>
+              <a:rPr lang="en-US" dirty="0">
+                <a:latin typeface="+mj-lt"/>
+              </a:rPr>
               <a:t>This includes Kubernetes itself, Git repositories, and other infrastructure components that Argo CD interacts with to perform its tasks. It provides the foundational services that Argo CD needs to operate.</a:t>
             </a:r>
           </a:p>
@@ -7242,7 +7284,7 @@
           <a:p>
             <a:r>
               <a:rPr lang="en-IN" dirty="0"/>
-              <a:t>explanation</a:t>
+              <a:t>Explanation</a:t>
             </a:r>
           </a:p>
         </p:txBody>
@@ -9201,7 +9243,7 @@
               <a:rPr lang="en-IN" dirty="0">
                 <a:latin typeface="+mj-lt"/>
               </a:rPr>
-              <a:t> tool for continual Deployment to Kubernetes Clusters</a:t>
+              <a:t> tool for continual Delivery to Kubernetes Clusters</a:t>
             </a:r>
           </a:p>
           <a:p>
@@ -9460,10 +9502,16 @@
           </a:p>
           <a:p>
             <a:r>
+              <a:rPr lang="en-US" b="1" dirty="0">
+                <a:latin typeface="+mj-lt"/>
+              </a:rPr>
+              <a:t>Single Source of Truth</a:t>
+            </a:r>
+            <a:r>
               <a:rPr lang="en-US" dirty="0">
                 <a:latin typeface="+mj-lt"/>
               </a:rPr>
-              <a:t>Single Source of Truth: Git repositories store the desired state of the system, ensuring that configurations and application states are consistent, transparent, and easily auditable. </a:t>
+              <a:t>: Git repositories store the desired state of the system, ensuring that configurations and application states are consistent, transparent, and easily auditable. </a:t>
             </a:r>
           </a:p>
           <a:p>
